--- a/sesija-25/PPT/Front-End Developer-25.pptx
+++ b/sesija-25/PPT/Front-End Developer-25.pptx
@@ -6,13 +6,24 @@
     <p:sldMasterId id="2147483676" r:id="rId2"/>
   </p:sldMasterIdLst>
   <p:notesMasterIdLst>
-    <p:notesMasterId r:id="rId7"/>
+    <p:notesMasterId r:id="rId18"/>
   </p:notesMasterIdLst>
   <p:sldIdLst>
     <p:sldId id="256" r:id="rId3"/>
     <p:sldId id="257" r:id="rId4"/>
     <p:sldId id="258" r:id="rId5"/>
     <p:sldId id="263" r:id="rId6"/>
+    <p:sldId id="264" r:id="rId7"/>
+    <p:sldId id="265" r:id="rId8"/>
+    <p:sldId id="266" r:id="rId9"/>
+    <p:sldId id="267" r:id="rId10"/>
+    <p:sldId id="268" r:id="rId11"/>
+    <p:sldId id="269" r:id="rId12"/>
+    <p:sldId id="270" r:id="rId13"/>
+    <p:sldId id="271" r:id="rId14"/>
+    <p:sldId id="272" r:id="rId15"/>
+    <p:sldId id="273" r:id="rId16"/>
+    <p:sldId id="274" r:id="rId17"/>
   </p:sldIdLst>
   <p:sldSz cx="12192000" cy="6858000"/>
   <p:notesSz cx="6858000" cy="9144000"/>
@@ -120,6 +131,17 @@
             <p14:sldId id="257"/>
             <p14:sldId id="258"/>
             <p14:sldId id="263"/>
+            <p14:sldId id="264"/>
+            <p14:sldId id="265"/>
+            <p14:sldId id="266"/>
+            <p14:sldId id="267"/>
+            <p14:sldId id="268"/>
+            <p14:sldId id="269"/>
+            <p14:sldId id="270"/>
+            <p14:sldId id="271"/>
+            <p14:sldId id="272"/>
+            <p14:sldId id="273"/>
+            <p14:sldId id="274"/>
           </p14:sldIdLst>
         </p14:section>
       </p14:sectionLst>
@@ -904,7 +926,7 @@
         <a:p>
           <a:r>
             <a:rPr lang="en-US" b="1" smtClean="0"/>
-            <a:t>HTML</a:t>
+            <a:t>JavaScript</a:t>
           </a:r>
           <a:endParaRPr lang="en-US"/>
         </a:p>
@@ -939,6 +961,10 @@
         <a:bodyPr/>
         <a:lstStyle/>
         <a:p>
+          <a:r>
+            <a:rPr lang="en-US" smtClean="0"/>
+            <a:t>JSON parsiranje</a:t>
+          </a:r>
           <a:endParaRPr lang="en-US"/>
         </a:p>
       </dgm:t>
@@ -946,10 +972,98 @@
     <dgm:pt modelId="{F89418B0-7D47-48D3-A0DD-7DC00E292A1E}" type="parTrans" cxnId="{C78D7D1E-4353-489A-8F01-856C716DDAA5}">
       <dgm:prSet/>
       <dgm:spPr/>
+      <dgm:t>
+        <a:bodyPr/>
+        <a:lstStyle/>
+        <a:p>
+          <a:endParaRPr lang="en-US"/>
+        </a:p>
+      </dgm:t>
     </dgm:pt>
     <dgm:pt modelId="{B8A6BCFB-F597-4971-BF20-6B7B52347AE9}" type="sibTrans" cxnId="{C78D7D1E-4353-489A-8F01-856C716DDAA5}">
       <dgm:prSet/>
       <dgm:spPr/>
+      <dgm:t>
+        <a:bodyPr/>
+        <a:lstStyle/>
+        <a:p>
+          <a:endParaRPr lang="en-US"/>
+        </a:p>
+      </dgm:t>
+    </dgm:pt>
+    <dgm:pt modelId="{D1A1311E-B484-4A44-A135-1863CA173945}">
+      <dgm:prSet phldrT="[Text]"/>
+      <dgm:spPr/>
+      <dgm:t>
+        <a:bodyPr/>
+        <a:lstStyle/>
+        <a:p>
+          <a:r>
+            <a:rPr lang="en-US" smtClean="0"/>
+            <a:t>JSON stringify</a:t>
+          </a:r>
+          <a:endParaRPr lang="en-US"/>
+        </a:p>
+      </dgm:t>
+    </dgm:pt>
+    <dgm:pt modelId="{1B44282F-6703-41E1-A98A-EA3CC36782BC}" type="parTrans" cxnId="{BAD7E433-2A01-4FE9-BAAE-6FB6D64C85CC}">
+      <dgm:prSet/>
+      <dgm:spPr/>
+      <dgm:t>
+        <a:bodyPr/>
+        <a:lstStyle/>
+        <a:p>
+          <a:endParaRPr lang="en-US"/>
+        </a:p>
+      </dgm:t>
+    </dgm:pt>
+    <dgm:pt modelId="{21D73087-D00F-4091-B618-9AE242F4EC4A}" type="sibTrans" cxnId="{BAD7E433-2A01-4FE9-BAAE-6FB6D64C85CC}">
+      <dgm:prSet/>
+      <dgm:spPr/>
+      <dgm:t>
+        <a:bodyPr/>
+        <a:lstStyle/>
+        <a:p>
+          <a:endParaRPr lang="en-US"/>
+        </a:p>
+      </dgm:t>
+    </dgm:pt>
+    <dgm:pt modelId="{1486CE85-97A9-4929-86C6-E9AA2F89D220}">
+      <dgm:prSet phldrT="[Text]"/>
+      <dgm:spPr/>
+      <dgm:t>
+        <a:bodyPr/>
+        <a:lstStyle/>
+        <a:p>
+          <a:r>
+            <a:rPr lang="en-US" smtClean="0"/>
+            <a:t>JSON</a:t>
+          </a:r>
+          <a:endParaRPr lang="en-US"/>
+        </a:p>
+      </dgm:t>
+    </dgm:pt>
+    <dgm:pt modelId="{1E86771E-11E9-4A6F-90DF-5B7AAFCD8366}" type="parTrans" cxnId="{26D15B68-523D-445B-B3A1-7F64FB6D98C4}">
+      <dgm:prSet/>
+      <dgm:spPr/>
+      <dgm:t>
+        <a:bodyPr/>
+        <a:lstStyle/>
+        <a:p>
+          <a:endParaRPr lang="en-US"/>
+        </a:p>
+      </dgm:t>
+    </dgm:pt>
+    <dgm:pt modelId="{C966ACE7-391C-4E04-903E-179E7FBFA9D7}" type="sibTrans" cxnId="{26D15B68-523D-445B-B3A1-7F64FB6D98C4}">
+      <dgm:prSet/>
+      <dgm:spPr/>
+      <dgm:t>
+        <a:bodyPr/>
+        <a:lstStyle/>
+        <a:p>
+          <a:endParaRPr lang="en-US"/>
+        </a:p>
+      </dgm:t>
     </dgm:pt>
     <dgm:pt modelId="{AEABCDDF-3180-4C76-A7CB-FC0B6AF0719A}" type="pres">
       <dgm:prSet presAssocID="{4EE1351B-4B79-4D48-8F5E-455F7AD945A8}" presName="linear" presStyleCnt="0">
@@ -1000,11 +1114,15 @@
     </dgm:pt>
   </dgm:ptLst>
   <dgm:cxnLst>
-    <dgm:cxn modelId="{C5A8E9B4-A897-4242-BCB6-414B02FAC18D}" type="presOf" srcId="{7BA3726F-3900-4FC3-8B1E-5B513F942281}" destId="{AADBD8E6-695F-4FE3-9A02-D807BC812A7C}" srcOrd="0" destOrd="0" presId="urn:microsoft.com/office/officeart/2005/8/layout/vList2"/>
+    <dgm:cxn modelId="{C5A8E9B4-A897-4242-BCB6-414B02FAC18D}" type="presOf" srcId="{7BA3726F-3900-4FC3-8B1E-5B513F942281}" destId="{AADBD8E6-695F-4FE3-9A02-D807BC812A7C}" srcOrd="0" destOrd="1" presId="urn:microsoft.com/office/officeart/2005/8/layout/vList2"/>
+    <dgm:cxn modelId="{26D15B68-523D-445B-B3A1-7F64FB6D98C4}" srcId="{01EB205F-FC18-44EF-B4D7-07083A382D6D}" destId="{1486CE85-97A9-4929-86C6-E9AA2F89D220}" srcOrd="0" destOrd="0" parTransId="{1E86771E-11E9-4A6F-90DF-5B7AAFCD8366}" sibTransId="{C966ACE7-391C-4E04-903E-179E7FBFA9D7}"/>
     <dgm:cxn modelId="{FB3F133B-D980-4586-8A93-14087C2AFDB7}" type="presOf" srcId="{01EB205F-FC18-44EF-B4D7-07083A382D6D}" destId="{F4D94EE2-DE87-41D3-8995-9FDA4ED2D4BE}" srcOrd="0" destOrd="0" presId="urn:microsoft.com/office/officeart/2005/8/layout/vList2"/>
-    <dgm:cxn modelId="{C78D7D1E-4353-489A-8F01-856C716DDAA5}" srcId="{01EB205F-FC18-44EF-B4D7-07083A382D6D}" destId="{7BA3726F-3900-4FC3-8B1E-5B513F942281}" srcOrd="0" destOrd="0" parTransId="{F89418B0-7D47-48D3-A0DD-7DC00E292A1E}" sibTransId="{B8A6BCFB-F597-4971-BF20-6B7B52347AE9}"/>
+    <dgm:cxn modelId="{C78D7D1E-4353-489A-8F01-856C716DDAA5}" srcId="{01EB205F-FC18-44EF-B4D7-07083A382D6D}" destId="{7BA3726F-3900-4FC3-8B1E-5B513F942281}" srcOrd="1" destOrd="0" parTransId="{F89418B0-7D47-48D3-A0DD-7DC00E292A1E}" sibTransId="{B8A6BCFB-F597-4971-BF20-6B7B52347AE9}"/>
     <dgm:cxn modelId="{554D4833-0D13-4D4C-92BF-76D83AECFDE6}" srcId="{4EE1351B-4B79-4D48-8F5E-455F7AD945A8}" destId="{01EB205F-FC18-44EF-B4D7-07083A382D6D}" srcOrd="0" destOrd="0" parTransId="{D4C6F2B3-566C-488E-AC05-F7BDFB6B7331}" sibTransId="{2BF717F9-FCD3-4CE3-A0A5-83D104AFB328}"/>
+    <dgm:cxn modelId="{BAD7E433-2A01-4FE9-BAAE-6FB6D64C85CC}" srcId="{01EB205F-FC18-44EF-B4D7-07083A382D6D}" destId="{D1A1311E-B484-4A44-A135-1863CA173945}" srcOrd="2" destOrd="0" parTransId="{1B44282F-6703-41E1-A98A-EA3CC36782BC}" sibTransId="{21D73087-D00F-4091-B618-9AE242F4EC4A}"/>
+    <dgm:cxn modelId="{0B916F80-B9CD-4A31-8C81-7C21375B7C0E}" type="presOf" srcId="{1486CE85-97A9-4929-86C6-E9AA2F89D220}" destId="{AADBD8E6-695F-4FE3-9A02-D807BC812A7C}" srcOrd="0" destOrd="0" presId="urn:microsoft.com/office/officeart/2005/8/layout/vList2"/>
     <dgm:cxn modelId="{9ADF0326-01FB-4790-B759-ACDFB0217796}" type="presOf" srcId="{4EE1351B-4B79-4D48-8F5E-455F7AD945A8}" destId="{AEABCDDF-3180-4C76-A7CB-FC0B6AF0719A}" srcOrd="0" destOrd="0" presId="urn:microsoft.com/office/officeart/2005/8/layout/vList2"/>
+    <dgm:cxn modelId="{921AE353-7CD0-47B5-8D5A-CC0358F61CBC}" type="presOf" srcId="{D1A1311E-B484-4A44-A135-1863CA173945}" destId="{AADBD8E6-695F-4FE3-9A02-D807BC812A7C}" srcOrd="0" destOrd="2" presId="urn:microsoft.com/office/officeart/2005/8/layout/vList2"/>
     <dgm:cxn modelId="{541BD5B9-51DA-497F-838D-CDA31366E980}" type="presParOf" srcId="{AEABCDDF-3180-4C76-A7CB-FC0B6AF0719A}" destId="{F4D94EE2-DE87-41D3-8995-9FDA4ED2D4BE}" srcOrd="0" destOrd="0" presId="urn:microsoft.com/office/officeart/2005/8/layout/vList2"/>
     <dgm:cxn modelId="{C7801D2E-7067-4E56-86BD-8C707C34363A}" type="presParOf" srcId="{AEABCDDF-3180-4C76-A7CB-FC0B6AF0719A}" destId="{AADBD8E6-695F-4FE3-9A02-D807BC812A7C}" srcOrd="1" destOrd="0" presId="urn:microsoft.com/office/officeart/2005/8/layout/vList2"/>
   </dgm:cxnLst>
@@ -1033,7 +1151,7 @@
       </dsp:nvSpPr>
       <dsp:spPr>
         <a:xfrm>
-          <a:off x="0" y="1548347"/>
+          <a:off x="0" y="841960"/>
           <a:ext cx="8298873" cy="1521000"/>
         </a:xfrm>
         <a:prstGeom prst="roundRect">
@@ -1093,13 +1211,13 @@
           </a:pPr>
           <a:r>
             <a:rPr lang="en-US" sz="6500" b="1" kern="1200" smtClean="0"/>
-            <a:t>HTML</a:t>
+            <a:t>JavaScript</a:t>
           </a:r>
           <a:endParaRPr lang="en-US" sz="6500" kern="1200"/>
         </a:p>
       </dsp:txBody>
       <dsp:txXfrm>
-        <a:off x="74249" y="1622596"/>
+        <a:off x="74249" y="916209"/>
         <a:ext cx="8150375" cy="1372502"/>
       </dsp:txXfrm>
     </dsp:sp>
@@ -1110,8 +1228,8 @@
       </dsp:nvSpPr>
       <dsp:spPr>
         <a:xfrm>
-          <a:off x="0" y="3069347"/>
-          <a:ext cx="8298873" cy="1076400"/>
+          <a:off x="0" y="2362960"/>
+          <a:ext cx="8298873" cy="2489175"/>
         </a:xfrm>
         <a:prstGeom prst="rect">
           <a:avLst/>
@@ -1152,12 +1270,54 @@
             </a:spcAft>
             <a:buChar char="••"/>
           </a:pPr>
+          <a:r>
+            <a:rPr lang="en-US" sz="5100" kern="1200" smtClean="0"/>
+            <a:t>JSON</a:t>
+          </a:r>
+          <a:endParaRPr lang="en-US" sz="5100" kern="1200"/>
+        </a:p>
+        <a:p>
+          <a:pPr marL="285750" lvl="1" indent="-285750" algn="l" defTabSz="2266950">
+            <a:lnSpc>
+              <a:spcPct val="90000"/>
+            </a:lnSpc>
+            <a:spcBef>
+              <a:spcPct val="0"/>
+            </a:spcBef>
+            <a:spcAft>
+              <a:spcPct val="20000"/>
+            </a:spcAft>
+            <a:buChar char="••"/>
+          </a:pPr>
+          <a:r>
+            <a:rPr lang="en-US" sz="5100" kern="1200" smtClean="0"/>
+            <a:t>JSON parsiranje</a:t>
+          </a:r>
+          <a:endParaRPr lang="en-US" sz="5100" kern="1200"/>
+        </a:p>
+        <a:p>
+          <a:pPr marL="285750" lvl="1" indent="-285750" algn="l" defTabSz="2266950">
+            <a:lnSpc>
+              <a:spcPct val="90000"/>
+            </a:lnSpc>
+            <a:spcBef>
+              <a:spcPct val="0"/>
+            </a:spcBef>
+            <a:spcAft>
+              <a:spcPct val="20000"/>
+            </a:spcAft>
+            <a:buChar char="••"/>
+          </a:pPr>
+          <a:r>
+            <a:rPr lang="en-US" sz="5100" kern="1200" smtClean="0"/>
+            <a:t>JSON stringify</a:t>
+          </a:r>
           <a:endParaRPr lang="en-US" sz="5100" kern="1200"/>
         </a:p>
       </dsp:txBody>
       <dsp:txXfrm>
-        <a:off x="0" y="3069347"/>
-        <a:ext cx="8298873" cy="1076400"/>
+        <a:off x="0" y="2362960"/>
+        <a:ext cx="8298873" cy="2489175"/>
       </dsp:txXfrm>
     </dsp:sp>
   </dsp:spTree>
@@ -2447,7 +2607,7 @@
           <a:p>
             <a:fld id="{D32AC403-8EB1-4D4E-8C3A-24BD19820531}" type="datetimeFigureOut">
               <a:rPr lang="en-US" smtClean="0"/>
-              <a:t>13-Mar-18</a:t>
+              <a:t>10-Apr-18</a:t>
             </a:fld>
             <a:endParaRPr lang="en-US"/>
           </a:p>
@@ -3193,7 +3353,7 @@
           <a:p>
             <a:fld id="{B35B300D-7DF5-4E96-8AA6-60E94C6E9F44}" type="datetimeFigureOut">
               <a:rPr lang="sr-Latn-RS" smtClean="0"/>
-              <a:t>13.3.2018.</a:t>
+              <a:t>10.4.2018.</a:t>
             </a:fld>
             <a:endParaRPr lang="sr-Latn-RS"/>
           </a:p>
@@ -3627,7 +3787,7 @@
           <a:p>
             <a:fld id="{B35B300D-7DF5-4E96-8AA6-60E94C6E9F44}" type="datetimeFigureOut">
               <a:rPr lang="sr-Latn-RS" smtClean="0"/>
-              <a:t>13.3.2018.</a:t>
+              <a:t>10.4.2018.</a:t>
             </a:fld>
             <a:endParaRPr lang="sr-Latn-RS"/>
           </a:p>
@@ -4001,7 +4161,7 @@
           <a:p>
             <a:fld id="{B35B300D-7DF5-4E96-8AA6-60E94C6E9F44}" type="datetimeFigureOut">
               <a:rPr lang="sr-Latn-RS" smtClean="0"/>
-              <a:t>13.3.2018.</a:t>
+              <a:t>10.4.2018.</a:t>
             </a:fld>
             <a:endParaRPr lang="sr-Latn-RS"/>
           </a:p>
@@ -4285,7 +4445,7 @@
           <a:p>
             <a:fld id="{B35B300D-7DF5-4E96-8AA6-60E94C6E9F44}" type="datetimeFigureOut">
               <a:rPr lang="sr-Latn-RS" smtClean="0"/>
-              <a:t>13.3.2018.</a:t>
+              <a:t>10.4.2018.</a:t>
             </a:fld>
             <a:endParaRPr lang="sr-Latn-RS"/>
           </a:p>
@@ -4462,7 +4622,7 @@
           <a:p>
             <a:fld id="{B35B300D-7DF5-4E96-8AA6-60E94C6E9F44}" type="datetimeFigureOut">
               <a:rPr lang="sr-Latn-RS" smtClean="0"/>
-              <a:t>13.3.2018.</a:t>
+              <a:t>10.4.2018.</a:t>
             </a:fld>
             <a:endParaRPr lang="sr-Latn-RS"/>
           </a:p>
@@ -4649,7 +4809,7 @@
           <a:p>
             <a:fld id="{B35B300D-7DF5-4E96-8AA6-60E94C6E9F44}" type="datetimeFigureOut">
               <a:rPr lang="sr-Latn-RS" smtClean="0"/>
-              <a:t>13.3.2018.</a:t>
+              <a:t>10.4.2018.</a:t>
             </a:fld>
             <a:endParaRPr lang="sr-Latn-RS"/>
           </a:p>
@@ -4896,7 +5056,7 @@
           <a:p>
             <a:fld id="{B35B300D-7DF5-4E96-8AA6-60E94C6E9F44}" type="datetimeFigureOut">
               <a:rPr lang="sr-Latn-RS" smtClean="0"/>
-              <a:t>13.3.2018.</a:t>
+              <a:t>10.4.2018.</a:t>
             </a:fld>
             <a:endParaRPr lang="sr-Latn-RS"/>
           </a:p>
@@ -5180,7 +5340,7 @@
           <a:p>
             <a:fld id="{B35B300D-7DF5-4E96-8AA6-60E94C6E9F44}" type="datetimeFigureOut">
               <a:rPr lang="sr-Latn-RS" smtClean="0"/>
-              <a:t>13.3.2018.</a:t>
+              <a:t>10.4.2018.</a:t>
             </a:fld>
             <a:endParaRPr lang="sr-Latn-RS"/>
           </a:p>
@@ -7099,7 +7259,7 @@
           <a:p>
             <a:fld id="{B35B300D-7DF5-4E96-8AA6-60E94C6E9F44}" type="datetimeFigureOut">
               <a:rPr lang="sr-Latn-RS" smtClean="0"/>
-              <a:t>13.3.2018.</a:t>
+              <a:t>10.4.2018.</a:t>
             </a:fld>
             <a:endParaRPr lang="sr-Latn-RS"/>
           </a:p>
@@ -7533,15 +7693,7 @@
             </a:br>
             <a:r>
               <a:rPr lang="en-US" b="1" smtClean="0"/>
-              <a:t>25 </a:t>
-            </a:r>
-            <a:r>
-              <a:rPr lang="en-US" b="1" smtClean="0"/>
-              <a:t>– </a:t>
-            </a:r>
-            <a:r>
-              <a:rPr lang="en-US" b="1" smtClean="0"/>
-              <a:t>11.04.2018</a:t>
+              <a:t>25 – 11.04.2018</a:t>
             </a:r>
             <a:endParaRPr lang="en-US"/>
           </a:p>
@@ -7587,6 +7739,584 @@
       </p:par>
     </p:tnLst>
   </p:timing>
+</p:sld>
+</file>
+
+<file path=ppt/slides/slide10.xml><?xml version="1.0" encoding="utf-8"?>
+<p:sld xmlns:a="http://schemas.openxmlformats.org/drawingml/2006/main" xmlns:r="http://schemas.openxmlformats.org/officeDocument/2006/relationships" xmlns:p="http://schemas.openxmlformats.org/presentationml/2006/main">
+  <p:cSld>
+    <p:spTree>
+      <p:nvGrpSpPr>
+        <p:cNvPr id="1" name=""/>
+        <p:cNvGrpSpPr/>
+        <p:nvPr/>
+      </p:nvGrpSpPr>
+      <p:grpSpPr>
+        <a:xfrm>
+          <a:off x="0" y="0"/>
+          <a:ext cx="0" cy="0"/>
+          <a:chOff x="0" y="0"/>
+          <a:chExt cx="0" cy="0"/>
+        </a:xfrm>
+      </p:grpSpPr>
+      <p:sp>
+        <p:nvSpPr>
+          <p:cNvPr id="2" name="Title 1"/>
+          <p:cNvSpPr>
+            <a:spLocks noGrp="1"/>
+          </p:cNvSpPr>
+          <p:nvPr>
+            <p:ph type="title"/>
+          </p:nvPr>
+        </p:nvSpPr>
+        <p:spPr/>
+        <p:txBody>
+          <a:bodyPr/>
+          <a:lstStyle/>
+          <a:p>
+            <a:r>
+              <a:rPr lang="sr-Latn-RS"/>
+              <a:t>JSON</a:t>
+            </a:r>
+            <a:r>
+              <a:rPr lang="sr-Latn-RS"/>
+              <a:t> </a:t>
+            </a:r>
+            <a:r>
+              <a:rPr lang="sr-Latn-RS" smtClean="0"/>
+              <a:t>Arrays</a:t>
+            </a:r>
+            <a:endParaRPr lang="sr-Latn-RS"/>
+          </a:p>
+        </p:txBody>
+      </p:sp>
+      <p:pic>
+        <p:nvPicPr>
+          <p:cNvPr id="4" name="Content Placeholder 3"/>
+          <p:cNvPicPr>
+            <a:picLocks noGrp="1" noChangeAspect="1"/>
+          </p:cNvPicPr>
+          <p:nvPr>
+            <p:ph sz="quarter" idx="10"/>
+          </p:nvPr>
+        </p:nvPicPr>
+        <p:blipFill>
+          <a:blip r:embed="rId2"/>
+          <a:stretch>
+            <a:fillRect/>
+          </a:stretch>
+        </p:blipFill>
+        <p:spPr>
+          <a:xfrm>
+            <a:off x="609600" y="2407546"/>
+            <a:ext cx="9045575" cy="2615996"/>
+          </a:xfrm>
+          <a:prstGeom prst="rect">
+            <a:avLst/>
+          </a:prstGeom>
+        </p:spPr>
+      </p:pic>
+    </p:spTree>
+    <p:extLst>
+      <p:ext uri="{BB962C8B-B14F-4D97-AF65-F5344CB8AC3E}">
+        <p14:creationId xmlns:p14="http://schemas.microsoft.com/office/powerpoint/2010/main" val="2809943219"/>
+      </p:ext>
+    </p:extLst>
+  </p:cSld>
+  <p:clrMapOvr>
+    <a:masterClrMapping/>
+  </p:clrMapOvr>
+</p:sld>
+</file>
+
+<file path=ppt/slides/slide11.xml><?xml version="1.0" encoding="utf-8"?>
+<p:sld xmlns:a="http://schemas.openxmlformats.org/drawingml/2006/main" xmlns:r="http://schemas.openxmlformats.org/officeDocument/2006/relationships" xmlns:p="http://schemas.openxmlformats.org/presentationml/2006/main">
+  <p:cSld>
+    <p:spTree>
+      <p:nvGrpSpPr>
+        <p:cNvPr id="1" name=""/>
+        <p:cNvGrpSpPr/>
+        <p:nvPr/>
+      </p:nvGrpSpPr>
+      <p:grpSpPr>
+        <a:xfrm>
+          <a:off x="0" y="0"/>
+          <a:ext cx="0" cy="0"/>
+          <a:chOff x="0" y="0"/>
+          <a:chExt cx="0" cy="0"/>
+        </a:xfrm>
+      </p:grpSpPr>
+      <p:sp>
+        <p:nvSpPr>
+          <p:cNvPr id="2" name="Title 1"/>
+          <p:cNvSpPr>
+            <a:spLocks noGrp="1"/>
+          </p:cNvSpPr>
+          <p:nvPr>
+            <p:ph type="title"/>
+          </p:nvPr>
+        </p:nvSpPr>
+        <p:spPr/>
+        <p:txBody>
+          <a:bodyPr/>
+          <a:lstStyle/>
+          <a:p>
+            <a:r>
+              <a:rPr lang="sr-Latn-RS"/>
+              <a:t>Arrays in </a:t>
+            </a:r>
+            <a:r>
+              <a:rPr lang="sr-Latn-RS"/>
+              <a:t>JSON </a:t>
+            </a:r>
+            <a:r>
+              <a:rPr lang="sr-Latn-RS" smtClean="0"/>
+              <a:t>Objects</a:t>
+            </a:r>
+            <a:endParaRPr lang="sr-Latn-RS"/>
+          </a:p>
+        </p:txBody>
+      </p:sp>
+      <p:pic>
+        <p:nvPicPr>
+          <p:cNvPr id="4" name="Content Placeholder 3"/>
+          <p:cNvPicPr>
+            <a:picLocks noGrp="1" noChangeAspect="1"/>
+          </p:cNvPicPr>
+          <p:nvPr>
+            <p:ph sz="quarter" idx="10"/>
+          </p:nvPr>
+        </p:nvPicPr>
+        <p:blipFill>
+          <a:blip r:embed="rId2"/>
+          <a:stretch>
+            <a:fillRect/>
+          </a:stretch>
+        </p:blipFill>
+        <p:spPr>
+          <a:xfrm>
+            <a:off x="1988699" y="2091305"/>
+            <a:ext cx="6287377" cy="3248478"/>
+          </a:xfrm>
+          <a:prstGeom prst="rect">
+            <a:avLst/>
+          </a:prstGeom>
+        </p:spPr>
+      </p:pic>
+    </p:spTree>
+    <p:extLst>
+      <p:ext uri="{BB962C8B-B14F-4D97-AF65-F5344CB8AC3E}">
+        <p14:creationId xmlns:p14="http://schemas.microsoft.com/office/powerpoint/2010/main" val="2588553742"/>
+      </p:ext>
+    </p:extLst>
+  </p:cSld>
+  <p:clrMapOvr>
+    <a:masterClrMapping/>
+  </p:clrMapOvr>
+</p:sld>
+</file>
+
+<file path=ppt/slides/slide12.xml><?xml version="1.0" encoding="utf-8"?>
+<p:sld xmlns:a="http://schemas.openxmlformats.org/drawingml/2006/main" xmlns:r="http://schemas.openxmlformats.org/officeDocument/2006/relationships" xmlns:p="http://schemas.openxmlformats.org/presentationml/2006/main">
+  <p:cSld>
+    <p:spTree>
+      <p:nvGrpSpPr>
+        <p:cNvPr id="1" name=""/>
+        <p:cNvGrpSpPr/>
+        <p:nvPr/>
+      </p:nvGrpSpPr>
+      <p:grpSpPr>
+        <a:xfrm>
+          <a:off x="0" y="0"/>
+          <a:ext cx="0" cy="0"/>
+          <a:chOff x="0" y="0"/>
+          <a:chExt cx="0" cy="0"/>
+        </a:xfrm>
+      </p:grpSpPr>
+      <p:sp>
+        <p:nvSpPr>
+          <p:cNvPr id="2" name="Title 1"/>
+          <p:cNvSpPr>
+            <a:spLocks noGrp="1"/>
+          </p:cNvSpPr>
+          <p:nvPr>
+            <p:ph type="title"/>
+          </p:nvPr>
+        </p:nvSpPr>
+        <p:spPr/>
+        <p:txBody>
+          <a:bodyPr/>
+          <a:lstStyle/>
+          <a:p>
+            <a:r>
+              <a:rPr lang="sr-Latn-RS"/>
+              <a:t>Accessing </a:t>
+            </a:r>
+            <a:r>
+              <a:rPr lang="sr-Latn-RS"/>
+              <a:t>Array </a:t>
+            </a:r>
+            <a:r>
+              <a:rPr lang="sr-Latn-RS" smtClean="0"/>
+              <a:t>Values</a:t>
+            </a:r>
+            <a:endParaRPr lang="sr-Latn-RS"/>
+          </a:p>
+        </p:txBody>
+      </p:sp>
+      <p:pic>
+        <p:nvPicPr>
+          <p:cNvPr id="4" name="Content Placeholder 3"/>
+          <p:cNvPicPr>
+            <a:picLocks noGrp="1" noChangeAspect="1"/>
+          </p:cNvPicPr>
+          <p:nvPr>
+            <p:ph sz="quarter" idx="10"/>
+          </p:nvPr>
+        </p:nvPicPr>
+        <p:blipFill>
+          <a:blip r:embed="rId2"/>
+          <a:stretch>
+            <a:fillRect/>
+          </a:stretch>
+        </p:blipFill>
+        <p:spPr>
+          <a:xfrm>
+            <a:off x="4138392" y="2883596"/>
+            <a:ext cx="5229955" cy="2229161"/>
+          </a:xfrm>
+          <a:prstGeom prst="rect">
+            <a:avLst/>
+          </a:prstGeom>
+        </p:spPr>
+      </p:pic>
+      <p:pic>
+        <p:nvPicPr>
+          <p:cNvPr id="5" name="Picture 4"/>
+          <p:cNvPicPr>
+            <a:picLocks noChangeAspect="1"/>
+          </p:cNvPicPr>
+          <p:nvPr/>
+        </p:nvPicPr>
+        <p:blipFill>
+          <a:blip r:embed="rId3"/>
+          <a:stretch>
+            <a:fillRect/>
+          </a:stretch>
+        </p:blipFill>
+        <p:spPr>
+          <a:xfrm>
+            <a:off x="498004" y="1344477"/>
+            <a:ext cx="3448531" cy="1438476"/>
+          </a:xfrm>
+          <a:prstGeom prst="rect">
+            <a:avLst/>
+          </a:prstGeom>
+        </p:spPr>
+      </p:pic>
+    </p:spTree>
+    <p:extLst>
+      <p:ext uri="{BB962C8B-B14F-4D97-AF65-F5344CB8AC3E}">
+        <p14:creationId xmlns:p14="http://schemas.microsoft.com/office/powerpoint/2010/main" val="1179582734"/>
+      </p:ext>
+    </p:extLst>
+  </p:cSld>
+  <p:clrMapOvr>
+    <a:masterClrMapping/>
+  </p:clrMapOvr>
+</p:sld>
+</file>
+
+<file path=ppt/slides/slide13.xml><?xml version="1.0" encoding="utf-8"?>
+<p:sld xmlns:a="http://schemas.openxmlformats.org/drawingml/2006/main" xmlns:r="http://schemas.openxmlformats.org/officeDocument/2006/relationships" xmlns:p="http://schemas.openxmlformats.org/presentationml/2006/main">
+  <p:cSld>
+    <p:spTree>
+      <p:nvGrpSpPr>
+        <p:cNvPr id="1" name=""/>
+        <p:cNvGrpSpPr/>
+        <p:nvPr/>
+      </p:nvGrpSpPr>
+      <p:grpSpPr>
+        <a:xfrm>
+          <a:off x="0" y="0"/>
+          <a:ext cx="0" cy="0"/>
+          <a:chOff x="0" y="0"/>
+          <a:chExt cx="0" cy="0"/>
+        </a:xfrm>
+      </p:grpSpPr>
+      <p:sp>
+        <p:nvSpPr>
+          <p:cNvPr id="2" name="Title 1"/>
+          <p:cNvSpPr>
+            <a:spLocks noGrp="1"/>
+          </p:cNvSpPr>
+          <p:nvPr>
+            <p:ph type="title"/>
+          </p:nvPr>
+        </p:nvSpPr>
+        <p:spPr/>
+        <p:txBody>
+          <a:bodyPr/>
+          <a:lstStyle/>
+          <a:p>
+            <a:r>
+              <a:rPr lang="sr-Latn-RS"/>
+              <a:t>JSON.parse</a:t>
+            </a:r>
+            <a:r>
+              <a:rPr lang="sr-Latn-RS" smtClean="0"/>
+              <a:t>()</a:t>
+            </a:r>
+            <a:endParaRPr lang="sr-Latn-RS"/>
+          </a:p>
+        </p:txBody>
+      </p:sp>
+      <p:pic>
+        <p:nvPicPr>
+          <p:cNvPr id="4" name="Content Placeholder 3"/>
+          <p:cNvPicPr>
+            <a:picLocks noGrp="1" noChangeAspect="1"/>
+          </p:cNvPicPr>
+          <p:nvPr>
+            <p:ph sz="quarter" idx="10"/>
+          </p:nvPr>
+        </p:nvPicPr>
+        <p:blipFill>
+          <a:blip r:embed="rId2"/>
+          <a:stretch>
+            <a:fillRect/>
+          </a:stretch>
+        </p:blipFill>
+        <p:spPr>
+          <a:xfrm>
+            <a:off x="781108" y="1717232"/>
+            <a:ext cx="6192114" cy="3248478"/>
+          </a:xfrm>
+          <a:prstGeom prst="rect">
+            <a:avLst/>
+          </a:prstGeom>
+        </p:spPr>
+      </p:pic>
+      <p:pic>
+        <p:nvPicPr>
+          <p:cNvPr id="5" name="Picture 4"/>
+          <p:cNvPicPr>
+            <a:picLocks noChangeAspect="1"/>
+          </p:cNvPicPr>
+          <p:nvPr/>
+        </p:nvPicPr>
+        <p:blipFill>
+          <a:blip r:embed="rId3"/>
+          <a:stretch>
+            <a:fillRect/>
+          </a:stretch>
+        </p:blipFill>
+        <p:spPr>
+          <a:xfrm>
+            <a:off x="3041141" y="5053193"/>
+            <a:ext cx="6458851" cy="1124107"/>
+          </a:xfrm>
+          <a:prstGeom prst="rect">
+            <a:avLst/>
+          </a:prstGeom>
+        </p:spPr>
+      </p:pic>
+    </p:spTree>
+    <p:extLst>
+      <p:ext uri="{BB962C8B-B14F-4D97-AF65-F5344CB8AC3E}">
+        <p14:creationId xmlns:p14="http://schemas.microsoft.com/office/powerpoint/2010/main" val="1155253191"/>
+      </p:ext>
+    </p:extLst>
+  </p:cSld>
+  <p:clrMapOvr>
+    <a:masterClrMapping/>
+  </p:clrMapOvr>
+</p:sld>
+</file>
+
+<file path=ppt/slides/slide14.xml><?xml version="1.0" encoding="utf-8"?>
+<p:sld xmlns:a="http://schemas.openxmlformats.org/drawingml/2006/main" xmlns:r="http://schemas.openxmlformats.org/officeDocument/2006/relationships" xmlns:p="http://schemas.openxmlformats.org/presentationml/2006/main">
+  <p:cSld>
+    <p:spTree>
+      <p:nvGrpSpPr>
+        <p:cNvPr id="1" name=""/>
+        <p:cNvGrpSpPr/>
+        <p:nvPr/>
+      </p:nvGrpSpPr>
+      <p:grpSpPr>
+        <a:xfrm>
+          <a:off x="0" y="0"/>
+          <a:ext cx="0" cy="0"/>
+          <a:chOff x="0" y="0"/>
+          <a:chExt cx="0" cy="0"/>
+        </a:xfrm>
+      </p:grpSpPr>
+      <p:sp>
+        <p:nvSpPr>
+          <p:cNvPr id="2" name="Title 1"/>
+          <p:cNvSpPr>
+            <a:spLocks noGrp="1"/>
+          </p:cNvSpPr>
+          <p:nvPr>
+            <p:ph type="title"/>
+          </p:nvPr>
+        </p:nvSpPr>
+        <p:spPr/>
+        <p:txBody>
+          <a:bodyPr/>
+          <a:lstStyle/>
+          <a:p>
+            <a:r>
+              <a:rPr lang="sr-Latn-RS"/>
+              <a:t>JSON.stringify</a:t>
+            </a:r>
+            <a:r>
+              <a:rPr lang="sr-Latn-RS" smtClean="0"/>
+              <a:t>()</a:t>
+            </a:r>
+            <a:endParaRPr lang="sr-Latn-RS"/>
+          </a:p>
+        </p:txBody>
+      </p:sp>
+      <p:pic>
+        <p:nvPicPr>
+          <p:cNvPr id="4" name="Content Placeholder 3"/>
+          <p:cNvPicPr>
+            <a:picLocks noGrp="1" noChangeAspect="1"/>
+          </p:cNvPicPr>
+          <p:nvPr>
+            <p:ph sz="quarter" idx="10"/>
+          </p:nvPr>
+        </p:nvPicPr>
+        <p:blipFill>
+          <a:blip r:embed="rId2"/>
+          <a:stretch>
+            <a:fillRect/>
+          </a:stretch>
+        </p:blipFill>
+        <p:spPr>
+          <a:xfrm>
+            <a:off x="599008" y="1229897"/>
+            <a:ext cx="5496692" cy="1571844"/>
+          </a:xfrm>
+          <a:prstGeom prst="rect">
+            <a:avLst/>
+          </a:prstGeom>
+        </p:spPr>
+      </p:pic>
+      <p:pic>
+        <p:nvPicPr>
+          <p:cNvPr id="5" name="Picture 4"/>
+          <p:cNvPicPr>
+            <a:picLocks noChangeAspect="1"/>
+          </p:cNvPicPr>
+          <p:nvPr/>
+        </p:nvPicPr>
+        <p:blipFill>
+          <a:blip r:embed="rId3"/>
+          <a:stretch>
+            <a:fillRect/>
+          </a:stretch>
+        </p:blipFill>
+        <p:spPr>
+          <a:xfrm>
+            <a:off x="3730614" y="2618861"/>
+            <a:ext cx="5944430" cy="3648584"/>
+          </a:xfrm>
+          <a:prstGeom prst="rect">
+            <a:avLst/>
+          </a:prstGeom>
+        </p:spPr>
+      </p:pic>
+    </p:spTree>
+    <p:extLst>
+      <p:ext uri="{BB962C8B-B14F-4D97-AF65-F5344CB8AC3E}">
+        <p14:creationId xmlns:p14="http://schemas.microsoft.com/office/powerpoint/2010/main" val="1590616301"/>
+      </p:ext>
+    </p:extLst>
+  </p:cSld>
+  <p:clrMapOvr>
+    <a:masterClrMapping/>
+  </p:clrMapOvr>
+</p:sld>
+</file>
+
+<file path=ppt/slides/slide15.xml><?xml version="1.0" encoding="utf-8"?>
+<p:sld xmlns:a="http://schemas.openxmlformats.org/drawingml/2006/main" xmlns:r="http://schemas.openxmlformats.org/officeDocument/2006/relationships" xmlns:p="http://schemas.openxmlformats.org/presentationml/2006/main">
+  <p:cSld>
+    <p:spTree>
+      <p:nvGrpSpPr>
+        <p:cNvPr id="1" name=""/>
+        <p:cNvGrpSpPr/>
+        <p:nvPr/>
+      </p:nvGrpSpPr>
+      <p:grpSpPr>
+        <a:xfrm>
+          <a:off x="0" y="0"/>
+          <a:ext cx="0" cy="0"/>
+          <a:chOff x="0" y="0"/>
+          <a:chExt cx="0" cy="0"/>
+        </a:xfrm>
+      </p:grpSpPr>
+      <p:sp>
+        <p:nvSpPr>
+          <p:cNvPr id="2" name="Title 1"/>
+          <p:cNvSpPr>
+            <a:spLocks noGrp="1"/>
+          </p:cNvSpPr>
+          <p:nvPr>
+            <p:ph type="title"/>
+          </p:nvPr>
+        </p:nvSpPr>
+        <p:spPr/>
+        <p:txBody>
+          <a:bodyPr/>
+          <a:lstStyle/>
+          <a:p>
+            <a:r>
+              <a:rPr lang="en-US" smtClean="0"/>
+              <a:t>Coding challenge</a:t>
+            </a:r>
+            <a:endParaRPr lang="sr-Latn-RS"/>
+          </a:p>
+        </p:txBody>
+      </p:sp>
+      <p:pic>
+        <p:nvPicPr>
+          <p:cNvPr id="4" name="Content Placeholder 3"/>
+          <p:cNvPicPr>
+            <a:picLocks noGrp="1" noChangeAspect="1"/>
+          </p:cNvPicPr>
+          <p:nvPr>
+            <p:ph sz="quarter" idx="10"/>
+          </p:nvPr>
+        </p:nvPicPr>
+        <p:blipFill>
+          <a:blip r:embed="rId2"/>
+          <a:stretch>
+            <a:fillRect/>
+          </a:stretch>
+        </p:blipFill>
+        <p:spPr>
+          <a:xfrm>
+            <a:off x="1825295" y="1818293"/>
+            <a:ext cx="7061010" cy="3918295"/>
+          </a:xfrm>
+          <a:prstGeom prst="rect">
+            <a:avLst/>
+          </a:prstGeom>
+        </p:spPr>
+      </p:pic>
+    </p:spTree>
+    <p:extLst>
+      <p:ext uri="{BB962C8B-B14F-4D97-AF65-F5344CB8AC3E}">
+        <p14:creationId xmlns:p14="http://schemas.microsoft.com/office/powerpoint/2010/main" val="2287727037"/>
+      </p:ext>
+    </p:extLst>
+  </p:cSld>
+  <p:clrMapOvr>
+    <a:masterClrMapping/>
+  </p:clrMapOvr>
 </p:sld>
 </file>
 
@@ -7670,7 +8400,7 @@
           <p:nvPr>
             <p:extLst>
               <p:ext uri="{D42A27DB-BD31-4B8C-83A1-F6EECF244321}">
-                <p14:modId xmlns:p14="http://schemas.microsoft.com/office/powerpoint/2010/main" val="571710413"/>
+                <p14:modId xmlns:p14="http://schemas.microsoft.com/office/powerpoint/2010/main" val="1475818431"/>
               </p:ext>
             </p:extLst>
           </p:nvPr>
@@ -7795,6 +8525,10 @@
           <a:lstStyle/>
           <a:p>
             <a:pPr lvl="1"/>
+            <a:r>
+              <a:rPr lang="en-US" smtClean="0"/>
+              <a:t>CSS layouts</a:t>
+            </a:r>
             <a:endParaRPr lang="en-US" smtClean="0"/>
           </a:p>
         </p:txBody>
@@ -7890,15 +8624,10 @@
             <a:spLocks noGrp="1"/>
           </p:cNvSpPr>
           <p:nvPr>
-            <p:ph type="body" sz="quarter" idx="4294967295"/>
+            <p:ph type="body" sz="quarter" idx="11"/>
           </p:nvPr>
         </p:nvSpPr>
-        <p:spPr>
-          <a:xfrm>
-            <a:off x="7368309" y="3196013"/>
-            <a:ext cx="4699000" cy="1930400"/>
-          </a:xfrm>
-        </p:spPr>
+        <p:spPr/>
         <p:txBody>
           <a:bodyPr/>
           <a:lstStyle/>
@@ -7906,7 +8635,7 @@
             <a:pPr lvl="0"/>
             <a:r>
               <a:rPr lang="en-US" sz="4000" smtClean="0"/>
-              <a:t>text</a:t>
+              <a:t>JSON</a:t>
             </a:r>
             <a:endParaRPr lang="en-US" sz="4000"/>
           </a:p>
@@ -7929,6 +8658,593 @@
       </p:par>
     </p:tnLst>
   </p:timing>
+</p:sld>
+</file>
+
+<file path=ppt/slides/slide5.xml><?xml version="1.0" encoding="utf-8"?>
+<p:sld xmlns:a="http://schemas.openxmlformats.org/drawingml/2006/main" xmlns:r="http://schemas.openxmlformats.org/officeDocument/2006/relationships" xmlns:p="http://schemas.openxmlformats.org/presentationml/2006/main">
+  <p:cSld>
+    <p:spTree>
+      <p:nvGrpSpPr>
+        <p:cNvPr id="1" name=""/>
+        <p:cNvGrpSpPr/>
+        <p:nvPr/>
+      </p:nvGrpSpPr>
+      <p:grpSpPr>
+        <a:xfrm>
+          <a:off x="0" y="0"/>
+          <a:ext cx="0" cy="0"/>
+          <a:chOff x="0" y="0"/>
+          <a:chExt cx="0" cy="0"/>
+        </a:xfrm>
+      </p:grpSpPr>
+      <p:sp>
+        <p:nvSpPr>
+          <p:cNvPr id="4" name="Title 3"/>
+          <p:cNvSpPr>
+            <a:spLocks noGrp="1"/>
+          </p:cNvSpPr>
+          <p:nvPr>
+            <p:ph type="title"/>
+          </p:nvPr>
+        </p:nvSpPr>
+        <p:spPr/>
+        <p:txBody>
+          <a:bodyPr/>
+          <a:lstStyle/>
+          <a:p>
+            <a:r>
+              <a:rPr lang="sr-Latn-RS"/>
+              <a:t>JSON </a:t>
+            </a:r>
+            <a:r>
+              <a:rPr lang="sr-Latn-RS"/>
+              <a:t>- </a:t>
+            </a:r>
+            <a:r>
+              <a:rPr lang="sr-Latn-RS" smtClean="0"/>
+              <a:t>Introduction</a:t>
+            </a:r>
+            <a:endParaRPr lang="sr-Latn-RS"/>
+          </a:p>
+        </p:txBody>
+      </p:sp>
+      <p:pic>
+        <p:nvPicPr>
+          <p:cNvPr id="6" name="Content Placeholder 5"/>
+          <p:cNvPicPr>
+            <a:picLocks noGrp="1" noChangeAspect="1"/>
+          </p:cNvPicPr>
+          <p:nvPr>
+            <p:ph sz="quarter" idx="10"/>
+          </p:nvPr>
+        </p:nvPicPr>
+        <p:blipFill>
+          <a:blip r:embed="rId2"/>
+          <a:stretch>
+            <a:fillRect/>
+          </a:stretch>
+        </p:blipFill>
+        <p:spPr>
+          <a:xfrm>
+            <a:off x="1369862" y="1571372"/>
+            <a:ext cx="4648849" cy="1362265"/>
+          </a:xfrm>
+          <a:prstGeom prst="rect">
+            <a:avLst/>
+          </a:prstGeom>
+        </p:spPr>
+      </p:pic>
+      <p:pic>
+        <p:nvPicPr>
+          <p:cNvPr id="7" name="Picture 6"/>
+          <p:cNvPicPr>
+            <a:picLocks noChangeAspect="1"/>
+          </p:cNvPicPr>
+          <p:nvPr/>
+        </p:nvPicPr>
+        <p:blipFill>
+          <a:blip r:embed="rId3"/>
+          <a:stretch>
+            <a:fillRect/>
+          </a:stretch>
+        </p:blipFill>
+        <p:spPr>
+          <a:xfrm>
+            <a:off x="1369862" y="3441674"/>
+            <a:ext cx="8087854" cy="2019582"/>
+          </a:xfrm>
+          <a:prstGeom prst="rect">
+            <a:avLst/>
+          </a:prstGeom>
+        </p:spPr>
+      </p:pic>
+    </p:spTree>
+    <p:extLst>
+      <p:ext uri="{BB962C8B-B14F-4D97-AF65-F5344CB8AC3E}">
+        <p14:creationId xmlns:p14="http://schemas.microsoft.com/office/powerpoint/2010/main" val="216497216"/>
+      </p:ext>
+    </p:extLst>
+  </p:cSld>
+  <p:clrMapOvr>
+    <a:masterClrMapping/>
+  </p:clrMapOvr>
+</p:sld>
+</file>
+
+<file path=ppt/slides/slide6.xml><?xml version="1.0" encoding="utf-8"?>
+<p:sld xmlns:a="http://schemas.openxmlformats.org/drawingml/2006/main" xmlns:r="http://schemas.openxmlformats.org/officeDocument/2006/relationships" xmlns:p="http://schemas.openxmlformats.org/presentationml/2006/main">
+  <p:cSld>
+    <p:spTree>
+      <p:nvGrpSpPr>
+        <p:cNvPr id="1" name=""/>
+        <p:cNvGrpSpPr/>
+        <p:nvPr/>
+      </p:nvGrpSpPr>
+      <p:grpSpPr>
+        <a:xfrm>
+          <a:off x="0" y="0"/>
+          <a:ext cx="0" cy="0"/>
+          <a:chOff x="0" y="0"/>
+          <a:chExt cx="0" cy="0"/>
+        </a:xfrm>
+      </p:grpSpPr>
+      <p:sp>
+        <p:nvSpPr>
+          <p:cNvPr id="2" name="Title 1"/>
+          <p:cNvSpPr>
+            <a:spLocks noGrp="1"/>
+          </p:cNvSpPr>
+          <p:nvPr>
+            <p:ph type="title"/>
+          </p:nvPr>
+        </p:nvSpPr>
+        <p:spPr/>
+        <p:txBody>
+          <a:bodyPr/>
+          <a:lstStyle/>
+          <a:p>
+            <a:r>
+              <a:rPr lang="sr-Latn-RS"/>
+              <a:t>JSON</a:t>
+            </a:r>
+            <a:r>
+              <a:rPr lang="sr-Latn-RS"/>
+              <a:t> </a:t>
+            </a:r>
+            <a:r>
+              <a:rPr lang="sr-Latn-RS" smtClean="0"/>
+              <a:t>Syntax</a:t>
+            </a:r>
+            <a:r>
+              <a:rPr lang="en-US" smtClean="0"/>
+              <a:t> 1</a:t>
+            </a:r>
+            <a:endParaRPr lang="sr-Latn-RS"/>
+          </a:p>
+        </p:txBody>
+      </p:sp>
+      <p:pic>
+        <p:nvPicPr>
+          <p:cNvPr id="4" name="Content Placeholder 3"/>
+          <p:cNvPicPr>
+            <a:picLocks noGrp="1" noChangeAspect="1"/>
+          </p:cNvPicPr>
+          <p:nvPr>
+            <p:ph sz="quarter" idx="10"/>
+          </p:nvPr>
+        </p:nvPicPr>
+        <p:blipFill>
+          <a:blip r:embed="rId2"/>
+          <a:stretch>
+            <a:fillRect/>
+          </a:stretch>
+        </p:blipFill>
+        <p:spPr>
+          <a:xfrm>
+            <a:off x="609480" y="1418400"/>
+            <a:ext cx="5363323" cy="1895740"/>
+          </a:xfrm>
+          <a:prstGeom prst="rect">
+            <a:avLst/>
+          </a:prstGeom>
+        </p:spPr>
+      </p:pic>
+      <p:pic>
+        <p:nvPicPr>
+          <p:cNvPr id="5" name="Picture 4"/>
+          <p:cNvPicPr>
+            <a:picLocks noChangeAspect="1"/>
+          </p:cNvPicPr>
+          <p:nvPr/>
+        </p:nvPicPr>
+        <p:blipFill>
+          <a:blip r:embed="rId3"/>
+          <a:stretch>
+            <a:fillRect/>
+          </a:stretch>
+        </p:blipFill>
+        <p:spPr>
+          <a:xfrm>
+            <a:off x="609480" y="3314140"/>
+            <a:ext cx="7678222" cy="2572109"/>
+          </a:xfrm>
+          <a:prstGeom prst="rect">
+            <a:avLst/>
+          </a:prstGeom>
+        </p:spPr>
+      </p:pic>
+      <p:pic>
+        <p:nvPicPr>
+          <p:cNvPr id="6" name="Picture 5"/>
+          <p:cNvPicPr>
+            <a:picLocks noChangeAspect="1"/>
+          </p:cNvPicPr>
+          <p:nvPr/>
+        </p:nvPicPr>
+        <p:blipFill>
+          <a:blip r:embed="rId4"/>
+          <a:stretch>
+            <a:fillRect/>
+          </a:stretch>
+        </p:blipFill>
+        <p:spPr>
+          <a:xfrm>
+            <a:off x="6391016" y="2628244"/>
+            <a:ext cx="4772691" cy="685896"/>
+          </a:xfrm>
+          <a:prstGeom prst="rect">
+            <a:avLst/>
+          </a:prstGeom>
+        </p:spPr>
+      </p:pic>
+    </p:spTree>
+    <p:extLst>
+      <p:ext uri="{BB962C8B-B14F-4D97-AF65-F5344CB8AC3E}">
+        <p14:creationId xmlns:p14="http://schemas.microsoft.com/office/powerpoint/2010/main" val="612862835"/>
+      </p:ext>
+    </p:extLst>
+  </p:cSld>
+  <p:clrMapOvr>
+    <a:masterClrMapping/>
+  </p:clrMapOvr>
+</p:sld>
+</file>
+
+<file path=ppt/slides/slide7.xml><?xml version="1.0" encoding="utf-8"?>
+<p:sld xmlns:a="http://schemas.openxmlformats.org/drawingml/2006/main" xmlns:r="http://schemas.openxmlformats.org/officeDocument/2006/relationships" xmlns:p="http://schemas.openxmlformats.org/presentationml/2006/main">
+  <p:cSld>
+    <p:spTree>
+      <p:nvGrpSpPr>
+        <p:cNvPr id="1" name=""/>
+        <p:cNvGrpSpPr/>
+        <p:nvPr/>
+      </p:nvGrpSpPr>
+      <p:grpSpPr>
+        <a:xfrm>
+          <a:off x="0" y="0"/>
+          <a:ext cx="0" cy="0"/>
+          <a:chOff x="0" y="0"/>
+          <a:chExt cx="0" cy="0"/>
+        </a:xfrm>
+      </p:grpSpPr>
+      <p:sp>
+        <p:nvSpPr>
+          <p:cNvPr id="2" name="Title 1"/>
+          <p:cNvSpPr>
+            <a:spLocks noGrp="1"/>
+          </p:cNvSpPr>
+          <p:nvPr>
+            <p:ph type="title"/>
+          </p:nvPr>
+        </p:nvSpPr>
+        <p:spPr/>
+        <p:txBody>
+          <a:bodyPr/>
+          <a:lstStyle/>
+          <a:p>
+            <a:r>
+              <a:rPr lang="sr-Latn-RS"/>
+              <a:t>JSON </a:t>
+            </a:r>
+            <a:r>
+              <a:rPr lang="sr-Latn-RS"/>
+              <a:t>Syntax</a:t>
+            </a:r>
+            <a:r>
+              <a:rPr lang="en-US"/>
+              <a:t> </a:t>
+            </a:r>
+            <a:r>
+              <a:rPr lang="en-US" smtClean="0"/>
+              <a:t>2</a:t>
+            </a:r>
+            <a:endParaRPr lang="sr-Latn-RS"/>
+          </a:p>
+        </p:txBody>
+      </p:sp>
+      <p:pic>
+        <p:nvPicPr>
+          <p:cNvPr id="4" name="Content Placeholder 3"/>
+          <p:cNvPicPr>
+            <a:picLocks noGrp="1" noChangeAspect="1"/>
+          </p:cNvPicPr>
+          <p:nvPr>
+            <p:ph sz="quarter" idx="10"/>
+          </p:nvPr>
+        </p:nvPicPr>
+        <p:blipFill>
+          <a:blip r:embed="rId2"/>
+          <a:stretch>
+            <a:fillRect/>
+          </a:stretch>
+        </p:blipFill>
+        <p:spPr>
+          <a:xfrm>
+            <a:off x="1451284" y="1760104"/>
+            <a:ext cx="5001560" cy="3584979"/>
+          </a:xfrm>
+          <a:prstGeom prst="rect">
+            <a:avLst/>
+          </a:prstGeom>
+        </p:spPr>
+      </p:pic>
+    </p:spTree>
+    <p:extLst>
+      <p:ext uri="{BB962C8B-B14F-4D97-AF65-F5344CB8AC3E}">
+        <p14:creationId xmlns:p14="http://schemas.microsoft.com/office/powerpoint/2010/main" val="1737202280"/>
+      </p:ext>
+    </p:extLst>
+  </p:cSld>
+  <p:clrMapOvr>
+    <a:masterClrMapping/>
+  </p:clrMapOvr>
+</p:sld>
+</file>
+
+<file path=ppt/slides/slide8.xml><?xml version="1.0" encoding="utf-8"?>
+<p:sld xmlns:a="http://schemas.openxmlformats.org/drawingml/2006/main" xmlns:r="http://schemas.openxmlformats.org/officeDocument/2006/relationships" xmlns:p="http://schemas.openxmlformats.org/presentationml/2006/main">
+  <p:cSld>
+    <p:spTree>
+      <p:nvGrpSpPr>
+        <p:cNvPr id="1" name=""/>
+        <p:cNvGrpSpPr/>
+        <p:nvPr/>
+      </p:nvGrpSpPr>
+      <p:grpSpPr>
+        <a:xfrm>
+          <a:off x="0" y="0"/>
+          <a:ext cx="0" cy="0"/>
+          <a:chOff x="0" y="0"/>
+          <a:chExt cx="0" cy="0"/>
+        </a:xfrm>
+      </p:grpSpPr>
+      <p:sp>
+        <p:nvSpPr>
+          <p:cNvPr id="2" name="Title 1"/>
+          <p:cNvSpPr>
+            <a:spLocks noGrp="1"/>
+          </p:cNvSpPr>
+          <p:nvPr>
+            <p:ph type="title"/>
+          </p:nvPr>
+        </p:nvSpPr>
+        <p:spPr/>
+        <p:txBody>
+          <a:bodyPr/>
+          <a:lstStyle/>
+          <a:p>
+            <a:r>
+              <a:rPr lang="sr-Latn-RS"/>
+              <a:t>JSON </a:t>
+            </a:r>
+            <a:r>
+              <a:rPr lang="sr-Latn-RS"/>
+              <a:t>Data </a:t>
+            </a:r>
+            <a:r>
+              <a:rPr lang="sr-Latn-RS" smtClean="0"/>
+              <a:t>Types</a:t>
+            </a:r>
+            <a:endParaRPr lang="sr-Latn-RS"/>
+          </a:p>
+        </p:txBody>
+      </p:sp>
+      <p:pic>
+        <p:nvPicPr>
+          <p:cNvPr id="4" name="Content Placeholder 3"/>
+          <p:cNvPicPr>
+            <a:picLocks noGrp="1" noChangeAspect="1"/>
+          </p:cNvPicPr>
+          <p:nvPr>
+            <p:ph sz="quarter" idx="10"/>
+          </p:nvPr>
+        </p:nvPicPr>
+        <p:blipFill>
+          <a:blip r:embed="rId2"/>
+          <a:stretch>
+            <a:fillRect/>
+          </a:stretch>
+        </p:blipFill>
+        <p:spPr>
+          <a:xfrm>
+            <a:off x="609480" y="1568972"/>
+            <a:ext cx="4639322" cy="2248214"/>
+          </a:xfrm>
+          <a:prstGeom prst="rect">
+            <a:avLst/>
+          </a:prstGeom>
+        </p:spPr>
+      </p:pic>
+      <p:pic>
+        <p:nvPicPr>
+          <p:cNvPr id="5" name="Picture 4"/>
+          <p:cNvPicPr>
+            <a:picLocks noChangeAspect="1"/>
+          </p:cNvPicPr>
+          <p:nvPr/>
+        </p:nvPicPr>
+        <p:blipFill>
+          <a:blip r:embed="rId3"/>
+          <a:stretch>
+            <a:fillRect/>
+          </a:stretch>
+        </p:blipFill>
+        <p:spPr>
+          <a:xfrm>
+            <a:off x="6195525" y="1520740"/>
+            <a:ext cx="4505954" cy="1247949"/>
+          </a:xfrm>
+          <a:prstGeom prst="rect">
+            <a:avLst/>
+          </a:prstGeom>
+        </p:spPr>
+      </p:pic>
+    </p:spTree>
+    <p:extLst>
+      <p:ext uri="{BB962C8B-B14F-4D97-AF65-F5344CB8AC3E}">
+        <p14:creationId xmlns:p14="http://schemas.microsoft.com/office/powerpoint/2010/main" val="2855895988"/>
+      </p:ext>
+    </p:extLst>
+  </p:cSld>
+  <p:clrMapOvr>
+    <a:masterClrMapping/>
+  </p:clrMapOvr>
+</p:sld>
+</file>
+
+<file path=ppt/slides/slide9.xml><?xml version="1.0" encoding="utf-8"?>
+<p:sld xmlns:a="http://schemas.openxmlformats.org/drawingml/2006/main" xmlns:r="http://schemas.openxmlformats.org/officeDocument/2006/relationships" xmlns:p="http://schemas.openxmlformats.org/presentationml/2006/main">
+  <p:cSld>
+    <p:spTree>
+      <p:nvGrpSpPr>
+        <p:cNvPr id="1" name=""/>
+        <p:cNvGrpSpPr/>
+        <p:nvPr/>
+      </p:nvGrpSpPr>
+      <p:grpSpPr>
+        <a:xfrm>
+          <a:off x="0" y="0"/>
+          <a:ext cx="0" cy="0"/>
+          <a:chOff x="0" y="0"/>
+          <a:chExt cx="0" cy="0"/>
+        </a:xfrm>
+      </p:grpSpPr>
+      <p:sp>
+        <p:nvSpPr>
+          <p:cNvPr id="2" name="Title 1"/>
+          <p:cNvSpPr>
+            <a:spLocks noGrp="1"/>
+          </p:cNvSpPr>
+          <p:nvPr>
+            <p:ph type="title"/>
+          </p:nvPr>
+        </p:nvSpPr>
+        <p:spPr/>
+        <p:txBody>
+          <a:bodyPr/>
+          <a:lstStyle/>
+          <a:p>
+            <a:r>
+              <a:rPr lang="sr-Latn-RS"/>
+              <a:t>JSON </a:t>
+            </a:r>
+            <a:r>
+              <a:rPr lang="sr-Latn-RS" smtClean="0"/>
+              <a:t>Strings</a:t>
+            </a:r>
+            <a:r>
+              <a:rPr lang="en-US" smtClean="0"/>
+              <a:t>, Numbers, Objects</a:t>
+            </a:r>
+            <a:endParaRPr lang="sr-Latn-RS"/>
+          </a:p>
+        </p:txBody>
+      </p:sp>
+      <p:pic>
+        <p:nvPicPr>
+          <p:cNvPr id="6" name="Content Placeholder 5"/>
+          <p:cNvPicPr>
+            <a:picLocks noGrp="1" noChangeAspect="1"/>
+          </p:cNvPicPr>
+          <p:nvPr>
+            <p:ph sz="quarter" idx="10"/>
+          </p:nvPr>
+        </p:nvPicPr>
+        <p:blipFill>
+          <a:blip r:embed="rId2"/>
+          <a:stretch>
+            <a:fillRect/>
+          </a:stretch>
+        </p:blipFill>
+        <p:spPr>
+          <a:xfrm>
+            <a:off x="503823" y="1139333"/>
+            <a:ext cx="4020111" cy="2267266"/>
+          </a:xfrm>
+          <a:prstGeom prst="rect">
+            <a:avLst/>
+          </a:prstGeom>
+        </p:spPr>
+      </p:pic>
+      <p:pic>
+        <p:nvPicPr>
+          <p:cNvPr id="7" name="Picture 6"/>
+          <p:cNvPicPr>
+            <a:picLocks noChangeAspect="1"/>
+          </p:cNvPicPr>
+          <p:nvPr/>
+        </p:nvPicPr>
+        <p:blipFill>
+          <a:blip r:embed="rId3"/>
+          <a:stretch>
+            <a:fillRect/>
+          </a:stretch>
+        </p:blipFill>
+        <p:spPr>
+          <a:xfrm>
+            <a:off x="5828824" y="1110754"/>
+            <a:ext cx="4324954" cy="2295845"/>
+          </a:xfrm>
+          <a:prstGeom prst="rect">
+            <a:avLst/>
+          </a:prstGeom>
+        </p:spPr>
+      </p:pic>
+      <p:pic>
+        <p:nvPicPr>
+          <p:cNvPr id="8" name="Picture 7"/>
+          <p:cNvPicPr>
+            <a:picLocks noChangeAspect="1"/>
+          </p:cNvPicPr>
+          <p:nvPr/>
+        </p:nvPicPr>
+        <p:blipFill>
+          <a:blip r:embed="rId4"/>
+          <a:stretch>
+            <a:fillRect/>
+          </a:stretch>
+        </p:blipFill>
+        <p:spPr>
+          <a:xfrm>
+            <a:off x="3452972" y="3298534"/>
+            <a:ext cx="5782482" cy="3353268"/>
+          </a:xfrm>
+          <a:prstGeom prst="rect">
+            <a:avLst/>
+          </a:prstGeom>
+        </p:spPr>
+      </p:pic>
+    </p:spTree>
+    <p:extLst>
+      <p:ext uri="{BB962C8B-B14F-4D97-AF65-F5344CB8AC3E}">
+        <p14:creationId xmlns:p14="http://schemas.microsoft.com/office/powerpoint/2010/main" val="293218036"/>
+      </p:ext>
+    </p:extLst>
+  </p:cSld>
+  <p:clrMapOvr>
+    <a:masterClrMapping/>
+  </p:clrMapOvr>
 </p:sld>
 </file>
 
